--- a/public/images/Iconos/edicion iconos.pptx
+++ b/public/images/Iconos/edicion iconos.pptx
@@ -104,6 +104,11 @@
       </a:defRPr>
     </a:lvl9pPr>
   </p:defaultTextStyle>
+  <p:extLst>
+    <p:ext uri="{EFAFB233-063F-42B5-8137-9DF3F51BA10A}">
+      <p15:sldGuideLst xmlns:p15="http://schemas.microsoft.com/office/powerpoint/2012/main"/>
+    </p:ext>
+  </p:extLst>
 </p:presentation>
 </file>
 
@@ -256,7 +261,7 @@
           <a:p>
             <a:fld id="{5D2B6446-3FD9-420A-89BF-A4B3BD0F063E}" type="datetimeFigureOut">
               <a:rPr lang="es-MX" smtClean="0"/>
-              <a:t>06/04/2018</a:t>
+              <a:t>30/08/2018</a:t>
             </a:fld>
             <a:endParaRPr lang="es-MX"/>
           </a:p>
@@ -456,7 +461,7 @@
           <a:p>
             <a:fld id="{5D2B6446-3FD9-420A-89BF-A4B3BD0F063E}" type="datetimeFigureOut">
               <a:rPr lang="es-MX" smtClean="0"/>
-              <a:t>06/04/2018</a:t>
+              <a:t>30/08/2018</a:t>
             </a:fld>
             <a:endParaRPr lang="es-MX"/>
           </a:p>
@@ -666,7 +671,7 @@
           <a:p>
             <a:fld id="{5D2B6446-3FD9-420A-89BF-A4B3BD0F063E}" type="datetimeFigureOut">
               <a:rPr lang="es-MX" smtClean="0"/>
-              <a:t>06/04/2018</a:t>
+              <a:t>30/08/2018</a:t>
             </a:fld>
             <a:endParaRPr lang="es-MX"/>
           </a:p>
@@ -866,7 +871,7 @@
           <a:p>
             <a:fld id="{5D2B6446-3FD9-420A-89BF-A4B3BD0F063E}" type="datetimeFigureOut">
               <a:rPr lang="es-MX" smtClean="0"/>
-              <a:t>06/04/2018</a:t>
+              <a:t>30/08/2018</a:t>
             </a:fld>
             <a:endParaRPr lang="es-MX"/>
           </a:p>
@@ -1142,7 +1147,7 @@
           <a:p>
             <a:fld id="{5D2B6446-3FD9-420A-89BF-A4B3BD0F063E}" type="datetimeFigureOut">
               <a:rPr lang="es-MX" smtClean="0"/>
-              <a:t>06/04/2018</a:t>
+              <a:t>30/08/2018</a:t>
             </a:fld>
             <a:endParaRPr lang="es-MX"/>
           </a:p>
@@ -1410,7 +1415,7 @@
           <a:p>
             <a:fld id="{5D2B6446-3FD9-420A-89BF-A4B3BD0F063E}" type="datetimeFigureOut">
               <a:rPr lang="es-MX" smtClean="0"/>
-              <a:t>06/04/2018</a:t>
+              <a:t>30/08/2018</a:t>
             </a:fld>
             <a:endParaRPr lang="es-MX"/>
           </a:p>
@@ -1825,7 +1830,7 @@
           <a:p>
             <a:fld id="{5D2B6446-3FD9-420A-89BF-A4B3BD0F063E}" type="datetimeFigureOut">
               <a:rPr lang="es-MX" smtClean="0"/>
-              <a:t>06/04/2018</a:t>
+              <a:t>30/08/2018</a:t>
             </a:fld>
             <a:endParaRPr lang="es-MX"/>
           </a:p>
@@ -1967,7 +1972,7 @@
           <a:p>
             <a:fld id="{5D2B6446-3FD9-420A-89BF-A4B3BD0F063E}" type="datetimeFigureOut">
               <a:rPr lang="es-MX" smtClean="0"/>
-              <a:t>06/04/2018</a:t>
+              <a:t>30/08/2018</a:t>
             </a:fld>
             <a:endParaRPr lang="es-MX"/>
           </a:p>
@@ -2080,7 +2085,7 @@
           <a:p>
             <a:fld id="{5D2B6446-3FD9-420A-89BF-A4B3BD0F063E}" type="datetimeFigureOut">
               <a:rPr lang="es-MX" smtClean="0"/>
-              <a:t>06/04/2018</a:t>
+              <a:t>30/08/2018</a:t>
             </a:fld>
             <a:endParaRPr lang="es-MX"/>
           </a:p>
@@ -2393,7 +2398,7 @@
           <a:p>
             <a:fld id="{5D2B6446-3FD9-420A-89BF-A4B3BD0F063E}" type="datetimeFigureOut">
               <a:rPr lang="es-MX" smtClean="0"/>
-              <a:t>06/04/2018</a:t>
+              <a:t>30/08/2018</a:t>
             </a:fld>
             <a:endParaRPr lang="es-MX"/>
           </a:p>
@@ -2682,7 +2687,7 @@
           <a:p>
             <a:fld id="{5D2B6446-3FD9-420A-89BF-A4B3BD0F063E}" type="datetimeFigureOut">
               <a:rPr lang="es-MX" smtClean="0"/>
-              <a:t>06/04/2018</a:t>
+              <a:t>30/08/2018</a:t>
             </a:fld>
             <a:endParaRPr lang="es-MX"/>
           </a:p>
@@ -2925,7 +2930,7 @@
           <a:p>
             <a:fld id="{5D2B6446-3FD9-420A-89BF-A4B3BD0F063E}" type="datetimeFigureOut">
               <a:rPr lang="es-MX" smtClean="0"/>
-              <a:t>06/04/2018</a:t>
+              <a:t>30/08/2018</a:t>
             </a:fld>
             <a:endParaRPr lang="es-MX"/>
           </a:p>
@@ -5567,6 +5572,279 @@
           </a:prstGeom>
         </p:spPr>
       </p:pic>
+      <p:pic>
+        <p:nvPicPr>
+          <p:cNvPr id="5" name="Imagen 4">
+            <a:extLst>
+              <a:ext uri="{FF2B5EF4-FFF2-40B4-BE49-F238E27FC236}">
+                <a16:creationId xmlns:a16="http://schemas.microsoft.com/office/drawing/2014/main" id="{D49B8840-4C58-441E-964C-FDFFE596D4EC}"/>
+              </a:ext>
+            </a:extLst>
+          </p:cNvPr>
+          <p:cNvPicPr>
+            <a:picLocks noChangeAspect="1"/>
+          </p:cNvPicPr>
+          <p:nvPr/>
+        </p:nvPicPr>
+        <p:blipFill>
+          <a:blip r:embed="rId16">
+            <a:extLst>
+              <a:ext uri="{28A0092B-C50C-407E-A947-70E740481C1C}">
+                <a14:useLocalDpi xmlns:a14="http://schemas.microsoft.com/office/drawing/2010/main" val="0"/>
+              </a:ext>
+            </a:extLst>
+          </a:blip>
+          <a:stretch>
+            <a:fillRect/>
+          </a:stretch>
+        </p:blipFill>
+        <p:spPr>
+          <a:xfrm>
+            <a:off x="5347148" y="2886061"/>
+            <a:ext cx="1560711" cy="1560711"/>
+          </a:xfrm>
+          <a:prstGeom prst="rect">
+            <a:avLst/>
+          </a:prstGeom>
+        </p:spPr>
+      </p:pic>
+      <p:pic>
+        <p:nvPicPr>
+          <p:cNvPr id="7" name="Imagen 6">
+            <a:extLst>
+              <a:ext uri="{FF2B5EF4-FFF2-40B4-BE49-F238E27FC236}">
+                <a16:creationId xmlns:a16="http://schemas.microsoft.com/office/drawing/2014/main" id="{1CB41952-ADE8-4045-9287-3F1F5B2C1A73}"/>
+              </a:ext>
+            </a:extLst>
+          </p:cNvPr>
+          <p:cNvPicPr>
+            <a:picLocks noChangeAspect="1"/>
+          </p:cNvPicPr>
+          <p:nvPr/>
+        </p:nvPicPr>
+        <p:blipFill rotWithShape="1">
+          <a:blip r:embed="rId17">
+            <a:extLst>
+              <a:ext uri="{28A0092B-C50C-407E-A947-70E740481C1C}">
+                <a14:useLocalDpi xmlns:a14="http://schemas.microsoft.com/office/drawing/2010/main" val="0"/>
+              </a:ext>
+            </a:extLst>
+          </a:blip>
+          <a:srcRect l="-19320" t="-20165" r="-1664" b="2991"/>
+          <a:stretch/>
+        </p:blipFill>
+        <p:spPr>
+          <a:xfrm>
+            <a:off x="5958841" y="1367791"/>
+            <a:ext cx="304800" cy="295200"/>
+          </a:xfrm>
+          <a:prstGeom prst="rect">
+            <a:avLst/>
+          </a:prstGeom>
+          <a:solidFill>
+            <a:schemeClr val="tx1"/>
+          </a:solidFill>
+        </p:spPr>
+      </p:pic>
+      <p:pic>
+        <p:nvPicPr>
+          <p:cNvPr id="34" name="Imagen 33">
+            <a:extLst>
+              <a:ext uri="{FF2B5EF4-FFF2-40B4-BE49-F238E27FC236}">
+                <a16:creationId xmlns:a16="http://schemas.microsoft.com/office/drawing/2014/main" id="{2DF1E787-72AB-409F-9A7F-212E226DE93C}"/>
+              </a:ext>
+            </a:extLst>
+          </p:cNvPr>
+          <p:cNvPicPr>
+            <a:picLocks noChangeAspect="1"/>
+          </p:cNvPicPr>
+          <p:nvPr/>
+        </p:nvPicPr>
+        <p:blipFill rotWithShape="1">
+          <a:blip r:embed="rId18">
+            <a:extLst>
+              <a:ext uri="{28A0092B-C50C-407E-A947-70E740481C1C}">
+                <a14:useLocalDpi xmlns:a14="http://schemas.microsoft.com/office/drawing/2010/main" val="0"/>
+              </a:ext>
+            </a:extLst>
+          </a:blip>
+          <a:srcRect l="-18451" t="-11595" r="-17566" b="-20139"/>
+          <a:stretch/>
+        </p:blipFill>
+        <p:spPr>
+          <a:xfrm>
+            <a:off x="5819551" y="1905000"/>
+            <a:ext cx="304800" cy="295200"/>
+          </a:xfrm>
+          <a:prstGeom prst="rect">
+            <a:avLst/>
+          </a:prstGeom>
+          <a:solidFill>
+            <a:schemeClr val="tx1"/>
+          </a:solidFill>
+        </p:spPr>
+      </p:pic>
+      <p:pic>
+        <p:nvPicPr>
+          <p:cNvPr id="37" name="Imagen 36">
+            <a:extLst>
+              <a:ext uri="{FF2B5EF4-FFF2-40B4-BE49-F238E27FC236}">
+                <a16:creationId xmlns:a16="http://schemas.microsoft.com/office/drawing/2014/main" id="{B90AF52C-0FEE-416B-837F-0E2F556FBE80}"/>
+              </a:ext>
+            </a:extLst>
+          </p:cNvPr>
+          <p:cNvPicPr>
+            <a:picLocks noChangeAspect="1"/>
+          </p:cNvPicPr>
+          <p:nvPr/>
+        </p:nvPicPr>
+        <p:blipFill rotWithShape="1">
+          <a:blip r:embed="rId19">
+            <a:extLst>
+              <a:ext uri="{28A0092B-C50C-407E-A947-70E740481C1C}">
+                <a14:useLocalDpi xmlns:a14="http://schemas.microsoft.com/office/drawing/2010/main" val="0"/>
+              </a:ext>
+            </a:extLst>
+          </a:blip>
+          <a:srcRect r="-3253"/>
+          <a:stretch/>
+        </p:blipFill>
+        <p:spPr>
+          <a:xfrm>
+            <a:off x="4804649" y="1494222"/>
+            <a:ext cx="304800" cy="295200"/>
+          </a:xfrm>
+          <a:prstGeom prst="rect">
+            <a:avLst/>
+          </a:prstGeom>
+          <a:solidFill>
+            <a:schemeClr val="tx1"/>
+          </a:solidFill>
+        </p:spPr>
+      </p:pic>
+      <p:pic>
+        <p:nvPicPr>
+          <p:cNvPr id="41" name="Imagen 40">
+            <a:extLst>
+              <a:ext uri="{FF2B5EF4-FFF2-40B4-BE49-F238E27FC236}">
+                <a16:creationId xmlns:a16="http://schemas.microsoft.com/office/drawing/2014/main" id="{E4153673-4F75-4615-8279-23C3B060C385}"/>
+              </a:ext>
+            </a:extLst>
+          </p:cNvPr>
+          <p:cNvPicPr>
+            <a:picLocks noChangeAspect="1"/>
+          </p:cNvPicPr>
+          <p:nvPr/>
+        </p:nvPicPr>
+        <p:blipFill rotWithShape="1">
+          <a:blip r:embed="rId20">
+            <a:extLst>
+              <a:ext uri="{BEBA8EAE-BF5A-486C-A8C5-ECC9F3942E4B}">
+                <a14:imgProps xmlns:a14="http://schemas.microsoft.com/office/drawing/2010/main">
+                  <a14:imgLayer r:embed="rId21">
+                    <a14:imgEffect>
+                      <a14:saturation sat="400000"/>
+                    </a14:imgEffect>
+                  </a14:imgLayer>
+                </a14:imgProps>
+              </a:ext>
+              <a:ext uri="{28A0092B-C50C-407E-A947-70E740481C1C}">
+                <a14:useLocalDpi xmlns:a14="http://schemas.microsoft.com/office/drawing/2010/main" val="0"/>
+              </a:ext>
+            </a:extLst>
+          </a:blip>
+          <a:srcRect r="-7591"/>
+          <a:stretch/>
+        </p:blipFill>
+        <p:spPr>
+          <a:xfrm>
+            <a:off x="5694383" y="4775218"/>
+            <a:ext cx="304035" cy="295200"/>
+          </a:xfrm>
+          <a:prstGeom prst="rect">
+            <a:avLst/>
+          </a:prstGeom>
+          <a:solidFill>
+            <a:schemeClr val="tx1"/>
+          </a:solidFill>
+        </p:spPr>
+      </p:pic>
+      <p:pic>
+        <p:nvPicPr>
+          <p:cNvPr id="44" name="Imagen 43" descr="Imagen que contiene objeto&#10;&#10;Descripción generada con confianza alta">
+            <a:extLst>
+              <a:ext uri="{FF2B5EF4-FFF2-40B4-BE49-F238E27FC236}">
+                <a16:creationId xmlns:a16="http://schemas.microsoft.com/office/drawing/2014/main" id="{D2E93B5C-7F09-425D-BD7C-4EC308F6CFB6}"/>
+              </a:ext>
+            </a:extLst>
+          </p:cNvPr>
+          <p:cNvPicPr>
+            <a:picLocks noChangeAspect="1"/>
+          </p:cNvPicPr>
+          <p:nvPr/>
+        </p:nvPicPr>
+        <p:blipFill rotWithShape="1">
+          <a:blip r:embed="rId22">
+            <a:extLst>
+              <a:ext uri="{28A0092B-C50C-407E-A947-70E740481C1C}">
+                <a14:useLocalDpi xmlns:a14="http://schemas.microsoft.com/office/drawing/2010/main" val="0"/>
+              </a:ext>
+            </a:extLst>
+          </a:blip>
+          <a:srcRect l="1" r="-7593"/>
+          <a:stretch/>
+        </p:blipFill>
+        <p:spPr>
+          <a:xfrm>
+            <a:off x="6124353" y="4750757"/>
+            <a:ext cx="304036" cy="295200"/>
+          </a:xfrm>
+          <a:prstGeom prst="rect">
+            <a:avLst/>
+          </a:prstGeom>
+          <a:solidFill>
+            <a:schemeClr val="tx1"/>
+          </a:solidFill>
+        </p:spPr>
+      </p:pic>
+      <p:pic>
+        <p:nvPicPr>
+          <p:cNvPr id="49" name="Imagen 48">
+            <a:extLst>
+              <a:ext uri="{FF2B5EF4-FFF2-40B4-BE49-F238E27FC236}">
+                <a16:creationId xmlns:a16="http://schemas.microsoft.com/office/drawing/2014/main" id="{6EDCC5F3-5E64-476C-9637-85FCAADCB516}"/>
+              </a:ext>
+            </a:extLst>
+          </p:cNvPr>
+          <p:cNvPicPr>
+            <a:picLocks noChangeAspect="1"/>
+          </p:cNvPicPr>
+          <p:nvPr/>
+        </p:nvPicPr>
+        <p:blipFill rotWithShape="1">
+          <a:blip r:embed="rId23">
+            <a:extLst>
+              <a:ext uri="{28A0092B-C50C-407E-A947-70E740481C1C}">
+                <a14:useLocalDpi xmlns:a14="http://schemas.microsoft.com/office/drawing/2010/main" val="0"/>
+              </a:ext>
+            </a:extLst>
+          </a:blip>
+          <a:srcRect r="-3253"/>
+          <a:stretch/>
+        </p:blipFill>
+        <p:spPr>
+          <a:xfrm>
+            <a:off x="5089342" y="559381"/>
+            <a:ext cx="304800" cy="295200"/>
+          </a:xfrm>
+          <a:prstGeom prst="rect">
+            <a:avLst/>
+          </a:prstGeom>
+          <a:solidFill>
+            <a:schemeClr val="tx1"/>
+          </a:solidFill>
+        </p:spPr>
+      </p:pic>
     </p:spTree>
     <p:extLst>
       <p:ext uri="{BB962C8B-B14F-4D97-AF65-F5344CB8AC3E}">

--- a/public/images/Iconos/edicion iconos.pptx
+++ b/public/images/Iconos/edicion iconos.pptx
@@ -261,7 +261,7 @@
           <a:p>
             <a:fld id="{5D2B6446-3FD9-420A-89BF-A4B3BD0F063E}" type="datetimeFigureOut">
               <a:rPr lang="es-MX" smtClean="0"/>
-              <a:t>30/08/2018</a:t>
+              <a:t>11/12/2018</a:t>
             </a:fld>
             <a:endParaRPr lang="es-MX"/>
           </a:p>
@@ -461,7 +461,7 @@
           <a:p>
             <a:fld id="{5D2B6446-3FD9-420A-89BF-A4B3BD0F063E}" type="datetimeFigureOut">
               <a:rPr lang="es-MX" smtClean="0"/>
-              <a:t>30/08/2018</a:t>
+              <a:t>11/12/2018</a:t>
             </a:fld>
             <a:endParaRPr lang="es-MX"/>
           </a:p>
@@ -671,7 +671,7 @@
           <a:p>
             <a:fld id="{5D2B6446-3FD9-420A-89BF-A4B3BD0F063E}" type="datetimeFigureOut">
               <a:rPr lang="es-MX" smtClean="0"/>
-              <a:t>30/08/2018</a:t>
+              <a:t>11/12/2018</a:t>
             </a:fld>
             <a:endParaRPr lang="es-MX"/>
           </a:p>
@@ -871,7 +871,7 @@
           <a:p>
             <a:fld id="{5D2B6446-3FD9-420A-89BF-A4B3BD0F063E}" type="datetimeFigureOut">
               <a:rPr lang="es-MX" smtClean="0"/>
-              <a:t>30/08/2018</a:t>
+              <a:t>11/12/2018</a:t>
             </a:fld>
             <a:endParaRPr lang="es-MX"/>
           </a:p>
@@ -1147,7 +1147,7 @@
           <a:p>
             <a:fld id="{5D2B6446-3FD9-420A-89BF-A4B3BD0F063E}" type="datetimeFigureOut">
               <a:rPr lang="es-MX" smtClean="0"/>
-              <a:t>30/08/2018</a:t>
+              <a:t>11/12/2018</a:t>
             </a:fld>
             <a:endParaRPr lang="es-MX"/>
           </a:p>
@@ -1415,7 +1415,7 @@
           <a:p>
             <a:fld id="{5D2B6446-3FD9-420A-89BF-A4B3BD0F063E}" type="datetimeFigureOut">
               <a:rPr lang="es-MX" smtClean="0"/>
-              <a:t>30/08/2018</a:t>
+              <a:t>11/12/2018</a:t>
             </a:fld>
             <a:endParaRPr lang="es-MX"/>
           </a:p>
@@ -1830,7 +1830,7 @@
           <a:p>
             <a:fld id="{5D2B6446-3FD9-420A-89BF-A4B3BD0F063E}" type="datetimeFigureOut">
               <a:rPr lang="es-MX" smtClean="0"/>
-              <a:t>30/08/2018</a:t>
+              <a:t>11/12/2018</a:t>
             </a:fld>
             <a:endParaRPr lang="es-MX"/>
           </a:p>
@@ -1972,7 +1972,7 @@
           <a:p>
             <a:fld id="{5D2B6446-3FD9-420A-89BF-A4B3BD0F063E}" type="datetimeFigureOut">
               <a:rPr lang="es-MX" smtClean="0"/>
-              <a:t>30/08/2018</a:t>
+              <a:t>11/12/2018</a:t>
             </a:fld>
             <a:endParaRPr lang="es-MX"/>
           </a:p>
@@ -2085,7 +2085,7 @@
           <a:p>
             <a:fld id="{5D2B6446-3FD9-420A-89BF-A4B3BD0F063E}" type="datetimeFigureOut">
               <a:rPr lang="es-MX" smtClean="0"/>
-              <a:t>30/08/2018</a:t>
+              <a:t>11/12/2018</a:t>
             </a:fld>
             <a:endParaRPr lang="es-MX"/>
           </a:p>
@@ -2398,7 +2398,7 @@
           <a:p>
             <a:fld id="{5D2B6446-3FD9-420A-89BF-A4B3BD0F063E}" type="datetimeFigureOut">
               <a:rPr lang="es-MX" smtClean="0"/>
-              <a:t>30/08/2018</a:t>
+              <a:t>11/12/2018</a:t>
             </a:fld>
             <a:endParaRPr lang="es-MX"/>
           </a:p>
@@ -2687,7 +2687,7 @@
           <a:p>
             <a:fld id="{5D2B6446-3FD9-420A-89BF-A4B3BD0F063E}" type="datetimeFigureOut">
               <a:rPr lang="es-MX" smtClean="0"/>
-              <a:t>30/08/2018</a:t>
+              <a:t>11/12/2018</a:t>
             </a:fld>
             <a:endParaRPr lang="es-MX"/>
           </a:p>
@@ -2930,7 +2930,7 @@
           <a:p>
             <a:fld id="{5D2B6446-3FD9-420A-89BF-A4B3BD0F063E}" type="datetimeFigureOut">
               <a:rPr lang="es-MX" smtClean="0"/>
-              <a:t>30/08/2018</a:t>
+              <a:t>11/12/2018</a:t>
             </a:fld>
             <a:endParaRPr lang="es-MX"/>
           </a:p>
@@ -5845,6 +5845,60 @@
           </a:solidFill>
         </p:spPr>
       </p:pic>
+      <p:pic>
+        <p:nvPicPr>
+          <p:cNvPr id="1026" name="Picture 2" descr="Resultado de imagen para iconos hotel vista panoramica">
+            <a:extLst>
+              <a:ext uri="{FF2B5EF4-FFF2-40B4-BE49-F238E27FC236}">
+                <a16:creationId xmlns:a16="http://schemas.microsoft.com/office/drawing/2014/main" id="{17035A8F-FEAC-4D6D-ABAF-F514A11F51FC}"/>
+              </a:ext>
+            </a:extLst>
+          </p:cNvPr>
+          <p:cNvPicPr>
+            <a:picLocks noChangeAspect="1" noChangeArrowheads="1"/>
+          </p:cNvPicPr>
+          <p:nvPr/>
+        </p:nvPicPr>
+        <p:blipFill rotWithShape="1">
+          <a:blip r:embed="rId24">
+            <a:extLst>
+              <a:ext uri="{BEBA8EAE-BF5A-486C-A8C5-ECC9F3942E4B}">
+                <a14:imgProps xmlns:a14="http://schemas.microsoft.com/office/drawing/2010/main">
+                  <a14:imgLayer r:embed="rId25">
+                    <a14:imgEffect>
+                      <a14:artisticGlowEdges/>
+                    </a14:imgEffect>
+                  </a14:imgLayer>
+                </a14:imgProps>
+              </a:ext>
+              <a:ext uri="{28A0092B-C50C-407E-A947-70E740481C1C}">
+                <a14:useLocalDpi xmlns:a14="http://schemas.microsoft.com/office/drawing/2010/main" val="0"/>
+              </a:ext>
+            </a:extLst>
+          </a:blip>
+          <a:srcRect l="33507" t="27982" r="34127" b="50938"/>
+          <a:stretch/>
+        </p:blipFill>
+        <p:spPr bwMode="auto">
+          <a:xfrm>
+            <a:off x="5509338" y="909620"/>
+            <a:ext cx="1796778" cy="1445664"/>
+          </a:xfrm>
+          <a:prstGeom prst="rect">
+            <a:avLst/>
+          </a:prstGeom>
+          <a:noFill/>
+          <a:extLst>
+            <a:ext uri="{909E8E84-426E-40DD-AFC4-6F175D3DCCD1}">
+              <a14:hiddenFill xmlns:a14="http://schemas.microsoft.com/office/drawing/2010/main">
+                <a:solidFill>
+                  <a:srgbClr val="FFFFFF"/>
+                </a:solidFill>
+              </a14:hiddenFill>
+            </a:ext>
+          </a:extLst>
+        </p:spPr>
+      </p:pic>
     </p:spTree>
     <p:extLst>
       <p:ext uri="{BB962C8B-B14F-4D97-AF65-F5344CB8AC3E}">
